--- a/PPT/자연어처리_정리.pptx
+++ b/PPT/자연어처리_정리.pptx
@@ -245,7 +245,7 @@
             <a:fld id="{65771C21-3757-4199-83DE-22960358A2A5}" type="datetimeFigureOut">
               <a:rPr lang="ko-KR" altLang="en-US" smtClean="0"/>
               <a:pPr/>
-              <a:t>2025-11-12</a:t>
+              <a:t>2025-11-13</a:t>
             </a:fld>
             <a:endParaRPr lang="ko-KR" altLang="en-US"/>
           </a:p>
@@ -4358,7 +4358,7 @@
             <a:fld id="{A22FE722-38C7-4231-8BB5-7A27D4E5977D}" type="datetimeFigureOut">
               <a:rPr lang="ko-KR" altLang="en-US" smtClean="0"/>
               <a:pPr/>
-              <a:t>2025-11-12</a:t>
+              <a:t>2025-11-13</a:t>
             </a:fld>
             <a:endParaRPr lang="ko-KR" altLang="en-US"/>
           </a:p>
@@ -4523,7 +4523,7 @@
             <a:fld id="{A22FE722-38C7-4231-8BB5-7A27D4E5977D}" type="datetimeFigureOut">
               <a:rPr lang="ko-KR" altLang="en-US" smtClean="0"/>
               <a:pPr/>
-              <a:t>2025-11-12</a:t>
+              <a:t>2025-11-13</a:t>
             </a:fld>
             <a:endParaRPr lang="ko-KR" altLang="en-US"/>
           </a:p>
@@ -4698,7 +4698,7 @@
             <a:fld id="{A22FE722-38C7-4231-8BB5-7A27D4E5977D}" type="datetimeFigureOut">
               <a:rPr lang="ko-KR" altLang="en-US" smtClean="0"/>
               <a:pPr/>
-              <a:t>2025-11-12</a:t>
+              <a:t>2025-11-13</a:t>
             </a:fld>
             <a:endParaRPr lang="ko-KR" altLang="en-US"/>
           </a:p>
@@ -4863,7 +4863,7 @@
             <a:fld id="{A22FE722-38C7-4231-8BB5-7A27D4E5977D}" type="datetimeFigureOut">
               <a:rPr lang="ko-KR" altLang="en-US" smtClean="0"/>
               <a:pPr/>
-              <a:t>2025-11-12</a:t>
+              <a:t>2025-11-13</a:t>
             </a:fld>
             <a:endParaRPr lang="ko-KR" altLang="en-US"/>
           </a:p>
@@ -5105,7 +5105,7 @@
             <a:fld id="{A22FE722-38C7-4231-8BB5-7A27D4E5977D}" type="datetimeFigureOut">
               <a:rPr lang="ko-KR" altLang="en-US" smtClean="0"/>
               <a:pPr/>
-              <a:t>2025-11-12</a:t>
+              <a:t>2025-11-13</a:t>
             </a:fld>
             <a:endParaRPr lang="ko-KR" altLang="en-US"/>
           </a:p>
@@ -5387,7 +5387,7 @@
             <a:fld id="{A22FE722-38C7-4231-8BB5-7A27D4E5977D}" type="datetimeFigureOut">
               <a:rPr lang="ko-KR" altLang="en-US" smtClean="0"/>
               <a:pPr/>
-              <a:t>2025-11-12</a:t>
+              <a:t>2025-11-13</a:t>
             </a:fld>
             <a:endParaRPr lang="ko-KR" altLang="en-US"/>
           </a:p>
@@ -5803,7 +5803,7 @@
             <a:fld id="{A22FE722-38C7-4231-8BB5-7A27D4E5977D}" type="datetimeFigureOut">
               <a:rPr lang="ko-KR" altLang="en-US" smtClean="0"/>
               <a:pPr/>
-              <a:t>2025-11-12</a:t>
+              <a:t>2025-11-13</a:t>
             </a:fld>
             <a:endParaRPr lang="ko-KR" altLang="en-US"/>
           </a:p>
@@ -5917,7 +5917,7 @@
             <a:fld id="{A22FE722-38C7-4231-8BB5-7A27D4E5977D}" type="datetimeFigureOut">
               <a:rPr lang="ko-KR" altLang="en-US" smtClean="0"/>
               <a:pPr/>
-              <a:t>2025-11-12</a:t>
+              <a:t>2025-11-13</a:t>
             </a:fld>
             <a:endParaRPr lang="ko-KR" altLang="en-US"/>
           </a:p>
@@ -6308,7 +6308,7 @@
             <a:fld id="{A22FE722-38C7-4231-8BB5-7A27D4E5977D}" type="datetimeFigureOut">
               <a:rPr lang="ko-KR" altLang="en-US" smtClean="0"/>
               <a:pPr/>
-              <a:t>2025-11-12</a:t>
+              <a:t>2025-11-13</a:t>
             </a:fld>
             <a:endParaRPr lang="ko-KR" altLang="en-US"/>
           </a:p>
@@ -6557,7 +6557,7 @@
             <a:fld id="{A22FE722-38C7-4231-8BB5-7A27D4E5977D}" type="datetimeFigureOut">
               <a:rPr lang="ko-KR" altLang="en-US" smtClean="0"/>
               <a:pPr/>
-              <a:t>2025-11-12</a:t>
+              <a:t>2025-11-13</a:t>
             </a:fld>
             <a:endParaRPr lang="ko-KR" altLang="en-US"/>
           </a:p>
@@ -6770,7 +6770,7 @@
             <a:fld id="{A22FE722-38C7-4231-8BB5-7A27D4E5977D}" type="datetimeFigureOut">
               <a:rPr lang="ko-KR" altLang="en-US" smtClean="0"/>
               <a:pPr/>
-              <a:t>2025-11-12</a:t>
+              <a:t>2025-11-13</a:t>
             </a:fld>
             <a:endParaRPr lang="ko-KR" altLang="en-US"/>
           </a:p>
@@ -17564,7 +17564,7 @@
         <p:spPr>
           <a:xfrm>
             <a:off x="971600" y="1700955"/>
-            <a:ext cx="7200800" cy="3139321"/>
+            <a:ext cx="7200800" cy="3693319"/>
           </a:xfrm>
           <a:prstGeom prst="rect">
             <a:avLst/>
@@ -17732,6 +17732,25 @@
             <a:r>
               <a:rPr lang="ko-KR" altLang="en-US" dirty="0" err="1"/>
               <a:t>스무딩</a:t>
+            </a:r>
+            <a:endParaRPr lang="en-US" altLang="ko-KR" dirty="0"/>
+          </a:p>
+          <a:p>
+            <a:pPr marL="742950" lvl="1" indent="-285750">
+              <a:buFontTx/>
+              <a:buChar char="-"/>
+            </a:pPr>
+            <a:r>
+              <a:rPr lang="ko-KR" altLang="en-US" dirty="0"/>
+              <a:t>단어가 어떤 ‘새로운 문맥</a:t>
+            </a:r>
+            <a:r>
+              <a:rPr lang="en-US" altLang="ko-KR" dirty="0"/>
+              <a:t>(context)’</a:t>
+            </a:r>
+            <a:r>
+              <a:rPr lang="ko-KR" altLang="en-US" dirty="0"/>
+              <a:t>에서 얼마나 자주 등장하는지를 반영해 확률을 보정</a:t>
             </a:r>
             <a:endParaRPr lang="en-US" altLang="ko-KR" dirty="0"/>
           </a:p>
